--- a/Lec_WEB/WebContent/myweb/스토리보드.pptx
+++ b/Lec_WEB/WebContent/myweb/스토리보드.pptx
@@ -277,7 +277,7 @@
           <a:p>
             <a:fld id="{5856583F-4AC3-403D-8D4A-CF7AE8BD8956}" type="datetimeFigureOut">
               <a:rPr lang="ko-KR" altLang="en-US" smtClean="0"/>
-              <a:t>2020-05-18</a:t>
+              <a:t>2020-05-26</a:t>
             </a:fld>
             <a:endParaRPr lang="ko-KR" altLang="en-US"/>
           </a:p>
@@ -475,7 +475,7 @@
           <a:p>
             <a:fld id="{5856583F-4AC3-403D-8D4A-CF7AE8BD8956}" type="datetimeFigureOut">
               <a:rPr lang="ko-KR" altLang="en-US" smtClean="0"/>
-              <a:t>2020-05-18</a:t>
+              <a:t>2020-05-26</a:t>
             </a:fld>
             <a:endParaRPr lang="ko-KR" altLang="en-US"/>
           </a:p>
@@ -683,7 +683,7 @@
           <a:p>
             <a:fld id="{5856583F-4AC3-403D-8D4A-CF7AE8BD8956}" type="datetimeFigureOut">
               <a:rPr lang="ko-KR" altLang="en-US" smtClean="0"/>
-              <a:t>2020-05-18</a:t>
+              <a:t>2020-05-26</a:t>
             </a:fld>
             <a:endParaRPr lang="ko-KR" altLang="en-US"/>
           </a:p>
@@ -881,7 +881,7 @@
           <a:p>
             <a:fld id="{5856583F-4AC3-403D-8D4A-CF7AE8BD8956}" type="datetimeFigureOut">
               <a:rPr lang="ko-KR" altLang="en-US" smtClean="0"/>
-              <a:t>2020-05-18</a:t>
+              <a:t>2020-05-26</a:t>
             </a:fld>
             <a:endParaRPr lang="ko-KR" altLang="en-US"/>
           </a:p>
@@ -1156,7 +1156,7 @@
           <a:p>
             <a:fld id="{5856583F-4AC3-403D-8D4A-CF7AE8BD8956}" type="datetimeFigureOut">
               <a:rPr lang="ko-KR" altLang="en-US" smtClean="0"/>
-              <a:t>2020-05-18</a:t>
+              <a:t>2020-05-26</a:t>
             </a:fld>
             <a:endParaRPr lang="ko-KR" altLang="en-US"/>
           </a:p>
@@ -1421,7 +1421,7 @@
           <a:p>
             <a:fld id="{5856583F-4AC3-403D-8D4A-CF7AE8BD8956}" type="datetimeFigureOut">
               <a:rPr lang="ko-KR" altLang="en-US" smtClean="0"/>
-              <a:t>2020-05-18</a:t>
+              <a:t>2020-05-26</a:t>
             </a:fld>
             <a:endParaRPr lang="ko-KR" altLang="en-US"/>
           </a:p>
@@ -1833,7 +1833,7 @@
           <a:p>
             <a:fld id="{5856583F-4AC3-403D-8D4A-CF7AE8BD8956}" type="datetimeFigureOut">
               <a:rPr lang="ko-KR" altLang="en-US" smtClean="0"/>
-              <a:t>2020-05-18</a:t>
+              <a:t>2020-05-26</a:t>
             </a:fld>
             <a:endParaRPr lang="ko-KR" altLang="en-US"/>
           </a:p>
@@ -1974,7 +1974,7 @@
           <a:p>
             <a:fld id="{5856583F-4AC3-403D-8D4A-CF7AE8BD8956}" type="datetimeFigureOut">
               <a:rPr lang="ko-KR" altLang="en-US" smtClean="0"/>
-              <a:t>2020-05-18</a:t>
+              <a:t>2020-05-26</a:t>
             </a:fld>
             <a:endParaRPr lang="ko-KR" altLang="en-US"/>
           </a:p>
@@ -2087,7 +2087,7 @@
           <a:p>
             <a:fld id="{5856583F-4AC3-403D-8D4A-CF7AE8BD8956}" type="datetimeFigureOut">
               <a:rPr lang="ko-KR" altLang="en-US" smtClean="0"/>
-              <a:t>2020-05-18</a:t>
+              <a:t>2020-05-26</a:t>
             </a:fld>
             <a:endParaRPr lang="ko-KR" altLang="en-US"/>
           </a:p>
@@ -2398,7 +2398,7 @@
           <a:p>
             <a:fld id="{5856583F-4AC3-403D-8D4A-CF7AE8BD8956}" type="datetimeFigureOut">
               <a:rPr lang="ko-KR" altLang="en-US" smtClean="0"/>
-              <a:t>2020-05-18</a:t>
+              <a:t>2020-05-26</a:t>
             </a:fld>
             <a:endParaRPr lang="ko-KR" altLang="en-US"/>
           </a:p>
@@ -2686,7 +2686,7 @@
           <a:p>
             <a:fld id="{5856583F-4AC3-403D-8D4A-CF7AE8BD8956}" type="datetimeFigureOut">
               <a:rPr lang="ko-KR" altLang="en-US" smtClean="0"/>
-              <a:t>2020-05-18</a:t>
+              <a:t>2020-05-26</a:t>
             </a:fld>
             <a:endParaRPr lang="ko-KR" altLang="en-US"/>
           </a:p>
@@ -2927,7 +2927,7 @@
           <a:p>
             <a:fld id="{5856583F-4AC3-403D-8D4A-CF7AE8BD8956}" type="datetimeFigureOut">
               <a:rPr lang="ko-KR" altLang="en-US" smtClean="0"/>
-              <a:t>2020-05-18</a:t>
+              <a:t>2020-05-26</a:t>
             </a:fld>
             <a:endParaRPr lang="ko-KR" altLang="en-US"/>
           </a:p>
